--- a/zhou_yb/about/PPT/第1章 引言.pptx
+++ b/zhou_yb/about/PPT/第1章 引言.pptx
@@ -114,6 +114,11 @@
       </a:defRPr>
     </a:lvl9pPr>
   </p:defaultTextStyle>
+  <p:extLst>
+    <p:ext uri="{EFAFB233-063F-42B5-8137-9DF3F51BA10A}">
+      <p15:sldGuideLst xmlns:p15="http://schemas.microsoft.com/office/powerpoint/2012/main"/>
+    </p:ext>
+  </p:extLst>
 </p:presentation>
 </file>
 
@@ -839,7 +844,7 @@
           <a:p>
             <a:fld id="{3C2B6D4A-FA6A-4DA5-AC0F-9EA885848A9E}" type="datetimeFigureOut">
               <a:rPr lang="zh-CN" altLang="en-US" smtClean="0"/>
-              <a:t>2016/7/8</a:t>
+              <a:t>2016/7/9</a:t>
             </a:fld>
             <a:endParaRPr lang="zh-CN" altLang="en-US"/>
           </a:p>
@@ -1090,7 +1095,7 @@
           <a:p>
             <a:fld id="{3C2B6D4A-FA6A-4DA5-AC0F-9EA885848A9E}" type="datetimeFigureOut">
               <a:rPr lang="zh-CN" altLang="en-US" smtClean="0"/>
-              <a:t>2016/7/8</a:t>
+              <a:t>2016/7/9</a:t>
             </a:fld>
             <a:endParaRPr lang="zh-CN" altLang="en-US"/>
           </a:p>
@@ -1404,7 +1409,7 @@
           <a:p>
             <a:fld id="{3C2B6D4A-FA6A-4DA5-AC0F-9EA885848A9E}" type="datetimeFigureOut">
               <a:rPr lang="zh-CN" altLang="en-US" smtClean="0"/>
-              <a:t>2016/7/8</a:t>
+              <a:t>2016/7/9</a:t>
             </a:fld>
             <a:endParaRPr lang="zh-CN" altLang="en-US"/>
           </a:p>
@@ -1745,7 +1750,7 @@
           <a:p>
             <a:fld id="{3C2B6D4A-FA6A-4DA5-AC0F-9EA885848A9E}" type="datetimeFigureOut">
               <a:rPr lang="zh-CN" altLang="en-US" smtClean="0"/>
-              <a:t>2016/7/8</a:t>
+              <a:t>2016/7/9</a:t>
             </a:fld>
             <a:endParaRPr lang="zh-CN" altLang="en-US"/>
           </a:p>
@@ -2059,7 +2064,7 @@
           <a:p>
             <a:fld id="{3C2B6D4A-FA6A-4DA5-AC0F-9EA885848A9E}" type="datetimeFigureOut">
               <a:rPr lang="zh-CN" altLang="en-US" smtClean="0"/>
-              <a:t>2016/7/8</a:t>
+              <a:t>2016/7/9</a:t>
             </a:fld>
             <a:endParaRPr lang="zh-CN" altLang="en-US"/>
           </a:p>
@@ -2452,7 +2457,7 @@
           <a:p>
             <a:fld id="{3C2B6D4A-FA6A-4DA5-AC0F-9EA885848A9E}" type="datetimeFigureOut">
               <a:rPr lang="zh-CN" altLang="en-US" smtClean="0"/>
-              <a:t>2016/7/8</a:t>
+              <a:t>2016/7/9</a:t>
             </a:fld>
             <a:endParaRPr lang="zh-CN" altLang="en-US"/>
           </a:p>
@@ -2622,7 +2627,7 @@
           <a:p>
             <a:fld id="{3C2B6D4A-FA6A-4DA5-AC0F-9EA885848A9E}" type="datetimeFigureOut">
               <a:rPr lang="zh-CN" altLang="en-US" smtClean="0"/>
-              <a:t>2016/7/8</a:t>
+              <a:t>2016/7/9</a:t>
             </a:fld>
             <a:endParaRPr lang="zh-CN" altLang="en-US"/>
           </a:p>
@@ -2802,7 +2807,7 @@
           <a:p>
             <a:fld id="{3C2B6D4A-FA6A-4DA5-AC0F-9EA885848A9E}" type="datetimeFigureOut">
               <a:rPr lang="zh-CN" altLang="en-US" smtClean="0"/>
-              <a:t>2016/7/8</a:t>
+              <a:t>2016/7/9</a:t>
             </a:fld>
             <a:endParaRPr lang="zh-CN" altLang="en-US"/>
           </a:p>
@@ -2978,7 +2983,7 @@
           <a:p>
             <a:fld id="{3C2B6D4A-FA6A-4DA5-AC0F-9EA885848A9E}" type="datetimeFigureOut">
               <a:rPr lang="zh-CN" altLang="en-US" smtClean="0"/>
-              <a:t>2016/7/8</a:t>
+              <a:t>2016/7/9</a:t>
             </a:fld>
             <a:endParaRPr lang="zh-CN" altLang="en-US"/>
           </a:p>
@@ -3225,7 +3230,7 @@
           <a:p>
             <a:fld id="{3C2B6D4A-FA6A-4DA5-AC0F-9EA885848A9E}" type="datetimeFigureOut">
               <a:rPr lang="zh-CN" altLang="en-US" smtClean="0"/>
-              <a:t>2016/7/8</a:t>
+              <a:t>2016/7/9</a:t>
             </a:fld>
             <a:endParaRPr lang="zh-CN" altLang="en-US"/>
           </a:p>
@@ -3457,7 +3462,7 @@
           <a:p>
             <a:fld id="{3C2B6D4A-FA6A-4DA5-AC0F-9EA885848A9E}" type="datetimeFigureOut">
               <a:rPr lang="zh-CN" altLang="en-US" smtClean="0"/>
-              <a:t>2016/7/8</a:t>
+              <a:t>2016/7/9</a:t>
             </a:fld>
             <a:endParaRPr lang="zh-CN" altLang="en-US"/>
           </a:p>
@@ -3831,7 +3836,7 @@
           <a:p>
             <a:fld id="{3C2B6D4A-FA6A-4DA5-AC0F-9EA885848A9E}" type="datetimeFigureOut">
               <a:rPr lang="zh-CN" altLang="en-US" smtClean="0"/>
-              <a:t>2016/7/8</a:t>
+              <a:t>2016/7/9</a:t>
             </a:fld>
             <a:endParaRPr lang="zh-CN" altLang="en-US"/>
           </a:p>
@@ -3954,7 +3959,7 @@
           <a:p>
             <a:fld id="{3C2B6D4A-FA6A-4DA5-AC0F-9EA885848A9E}" type="datetimeFigureOut">
               <a:rPr lang="zh-CN" altLang="en-US" smtClean="0"/>
-              <a:t>2016/7/8</a:t>
+              <a:t>2016/7/9</a:t>
             </a:fld>
             <a:endParaRPr lang="zh-CN" altLang="en-US"/>
           </a:p>
@@ -4049,7 +4054,7 @@
           <a:p>
             <a:fld id="{3C2B6D4A-FA6A-4DA5-AC0F-9EA885848A9E}" type="datetimeFigureOut">
               <a:rPr lang="zh-CN" altLang="en-US" smtClean="0"/>
-              <a:t>2016/7/8</a:t>
+              <a:t>2016/7/9</a:t>
             </a:fld>
             <a:endParaRPr lang="zh-CN" altLang="en-US"/>
           </a:p>
@@ -4304,7 +4309,7 @@
           <a:p>
             <a:fld id="{3C2B6D4A-FA6A-4DA5-AC0F-9EA885848A9E}" type="datetimeFigureOut">
               <a:rPr lang="zh-CN" altLang="en-US" smtClean="0"/>
-              <a:t>2016/7/8</a:t>
+              <a:t>2016/7/9</a:t>
             </a:fld>
             <a:endParaRPr lang="zh-CN" altLang="en-US"/>
           </a:p>
@@ -4567,7 +4572,7 @@
           <a:p>
             <a:fld id="{3C2B6D4A-FA6A-4DA5-AC0F-9EA885848A9E}" type="datetimeFigureOut">
               <a:rPr lang="zh-CN" altLang="en-US" smtClean="0"/>
-              <a:t>2016/7/8</a:t>
+              <a:t>2016/7/9</a:t>
             </a:fld>
             <a:endParaRPr lang="zh-CN" altLang="en-US"/>
           </a:p>
@@ -5310,7 +5315,7 @@
           <a:p>
             <a:fld id="{3C2B6D4A-FA6A-4DA5-AC0F-9EA885848A9E}" type="datetimeFigureOut">
               <a:rPr lang="zh-CN" altLang="en-US" smtClean="0"/>
-              <a:t>2016/7/8</a:t>
+              <a:t>2016/7/9</a:t>
             </a:fld>
             <a:endParaRPr lang="zh-CN" altLang="en-US"/>
           </a:p>
@@ -6793,6 +6798,36 @@
           </a:p>
         </p:txBody>
       </p:sp>
+      <p:pic>
+        <p:nvPicPr>
+          <p:cNvPr id="3" name="图片 2"/>
+          <p:cNvPicPr>
+            <a:picLocks noChangeAspect="1"/>
+          </p:cNvPicPr>
+          <p:nvPr/>
+        </p:nvPicPr>
+        <p:blipFill>
+          <a:blip r:embed="rId2">
+            <a:extLst>
+              <a:ext uri="{28A0092B-C50C-407E-A947-70E740481C1C}">
+                <a14:useLocalDpi xmlns:a14="http://schemas.microsoft.com/office/drawing/2010/main" val="0"/>
+              </a:ext>
+            </a:extLst>
+          </a:blip>
+          <a:stretch>
+            <a:fillRect/>
+          </a:stretch>
+        </p:blipFill>
+        <p:spPr>
+          <a:xfrm>
+            <a:off x="575989" y="4690382"/>
+            <a:ext cx="1495425" cy="1047750"/>
+          </a:xfrm>
+          <a:prstGeom prst="rect">
+            <a:avLst/>
+          </a:prstGeom>
+        </p:spPr>
+      </p:pic>
     </p:spTree>
     <p:extLst>
       <p:ext uri="{BB962C8B-B14F-4D97-AF65-F5344CB8AC3E}">
